--- a/PHP SQL chapitre 3.pptx
+++ b/PHP SQL chapitre 3.pptx
@@ -141,7 +141,7 @@
   </p:defaultTextStyle>
   <p:extLst>
     <p:ext uri="{EFAFB233-063F-42B5-8137-9DF3F51BA10A}">
-      <p15:sldGuideLst xmlns="" xmlns:p15="http://schemas.microsoft.com/office/powerpoint/2012/main">
+      <p15:sldGuideLst xmlns:p15="http://schemas.microsoft.com/office/powerpoint/2012/main" xmlns="">
         <p15:guide id="9" orient="horz" pos="169">
           <p15:clr>
             <a:srgbClr val="A4A3A4"/>
@@ -185,7 +185,7 @@
       </p15:sldGuideLst>
     </p:ext>
     <p:ext uri="{2D200454-40CA-4A62-9FC3-DE9A4176ACB9}">
-      <p15:notesGuideLst xmlns="" xmlns:p15="http://schemas.microsoft.com/office/powerpoint/2012/main"/>
+      <p15:notesGuideLst xmlns:p15="http://schemas.microsoft.com/office/powerpoint/2012/main" xmlns=""/>
     </p:ext>
   </p:extLst>
 </p:presentation>
@@ -278,7 +278,7 @@
             <a:fld id="{14F63557-65CD-470F-8999-4C3C411BE899}" type="datetimeFigureOut">
               <a:rPr lang="en-GB" smtClean="0"/>
               <a:pPr/>
-              <a:t>18/10/2018</a:t>
+              <a:t>19/10/2018</a:t>
             </a:fld>
             <a:endParaRPr lang="en-GB"/>
           </a:p>
@@ -4613,7 +4613,7 @@
   </p:txStyles>
   <p:extLst mod="1">
     <p:ext uri="{27BBF7A9-308A-43DC-89C8-2F10F3537804}">
-      <p15:sldGuideLst xmlns="" xmlns:p15="http://schemas.microsoft.com/office/powerpoint/2012/main"/>
+      <p15:sldGuideLst xmlns:p15="http://schemas.microsoft.com/office/powerpoint/2012/main" xmlns=""/>
     </p:ext>
   </p:extLst>
 </p:sldMaster>
@@ -13389,7 +13389,23 @@
                   <a:schemeClr val="tx1"/>
                 </a:solidFill>
               </a:rPr>
-              <a:t>La clause LIMIT permet de n’afficher qu’un certain nombre de ligne dans une requête.</a:t>
+              <a:t>La clause LIMIT permet de n’afficher qu’un certain nombre de </a:t>
+            </a:r>
+            <a:r>
+              <a:rPr lang="fr-FR" sz="2000" dirty="0" smtClean="0">
+                <a:solidFill>
+                  <a:schemeClr val="tx1"/>
+                </a:solidFill>
+              </a:rPr>
+              <a:t>lignes </a:t>
+            </a:r>
+            <a:r>
+              <a:rPr lang="fr-FR" sz="2000" dirty="0" smtClean="0">
+                <a:solidFill>
+                  <a:schemeClr val="tx1"/>
+                </a:solidFill>
+              </a:rPr>
+              <a:t>dans une requête.</a:t>
             </a:r>
             <a:br>
               <a:rPr lang="fr-FR" sz="2000" dirty="0" smtClean="0">
@@ -13664,6 +13680,7 @@
           <a:bodyPr/>
           <a:lstStyle/>
           <a:p>
+            <a:pPr algn="just"/>
             <a:r>
               <a:rPr lang="fr-FR" sz="2000" dirty="0" smtClean="0">
                 <a:solidFill>
@@ -13684,6 +13701,7 @@
             </a:r>
           </a:p>
           <a:p>
+            <a:pPr algn="just"/>
             <a:r>
               <a:rPr lang="fr-FR" sz="2000" dirty="0" smtClean="0">
                 <a:solidFill>
@@ -13694,13 +13712,46 @@
             </a:r>
           </a:p>
           <a:p>
+            <a:pPr algn="just"/>
             <a:r>
               <a:rPr lang="fr-FR" sz="2000" dirty="0" smtClean="0">
                 <a:solidFill>
                   <a:schemeClr val="tx1"/>
                 </a:solidFill>
               </a:rPr>
-              <a:t>Attention: si la clause de jointure est pas ou mal faite, on se retrouve avec le produit cartésien des deux tables ce qui entraine bien souvent un volume très important de données et des requêtes très lente, voir qui ne réponde jamais.</a:t>
+              <a:t>Attention: si la clause de jointure est pas ou mal faite, on se retrouve avec le produit cartésien des deux tables ce qui entraine bien souvent un volume très important de données et des requêtes très </a:t>
+            </a:r>
+            <a:r>
+              <a:rPr lang="fr-FR" sz="2000" dirty="0" smtClean="0">
+                <a:solidFill>
+                  <a:schemeClr val="tx1"/>
+                </a:solidFill>
+              </a:rPr>
+              <a:t>lentes, </a:t>
+            </a:r>
+            <a:r>
+              <a:rPr lang="fr-FR" sz="2000" dirty="0" smtClean="0">
+                <a:solidFill>
+                  <a:schemeClr val="tx1"/>
+                </a:solidFill>
+              </a:rPr>
+              <a:t>voir qui ne </a:t>
+            </a:r>
+            <a:r>
+              <a:rPr lang="fr-FR" sz="2000" dirty="0" smtClean="0">
+                <a:solidFill>
+                  <a:schemeClr val="tx1"/>
+                </a:solidFill>
+              </a:rPr>
+              <a:t>répondent </a:t>
+            </a:r>
+            <a:r>
+              <a:rPr lang="fr-FR" sz="2000" dirty="0" smtClean="0">
+                <a:solidFill>
+                  <a:schemeClr val="tx1"/>
+                </a:solidFill>
+              </a:rPr>
+              <a:t>jamais.</a:t>
             </a:r>
           </a:p>
           <a:p>
@@ -13756,11 +13807,7 @@
             </a:br>
             <a:r>
               <a:rPr lang="fr-FR" dirty="0" smtClean="0"/>
-              <a:t>Faire une jointure entre des </a:t>
-            </a:r>
-            <a:r>
-              <a:rPr lang="fr-FR" dirty="0" smtClean="0"/>
-              <a:t>tables 1/2</a:t>
+              <a:t>Faire une jointure entre des tables 1/2</a:t>
             </a:r>
             <a:endParaRPr lang="fr-FR" dirty="0"/>
           </a:p>
@@ -13901,7 +13948,7 @@
                   <a:schemeClr val="tx1"/>
                 </a:solidFill>
               </a:rPr>
-              <a:t>objet_principal</a:t>
+              <a:t>objet_secondaire</a:t>
             </a:r>
             <a:r>
               <a:rPr lang="fr-FR" sz="1600" dirty="0" smtClean="0">
@@ -13909,7 +13956,15 @@
                   <a:schemeClr val="tx1"/>
                 </a:solidFill>
               </a:rPr>
-              <a:t> = nom AND </a:t>
+              <a:t> </a:t>
+            </a:r>
+            <a:r>
+              <a:rPr lang="fr-FR" sz="1600" dirty="0" smtClean="0">
+                <a:solidFill>
+                  <a:schemeClr val="tx1"/>
+                </a:solidFill>
+              </a:rPr>
+              <a:t>= nom AND </a:t>
             </a:r>
             <a:r>
               <a:rPr lang="fr-FR" sz="1600" dirty="0" err="1" smtClean="0">
@@ -13952,11 +14007,6 @@
               </a:rPr>
               <a:t>: Afficher la réponse des requêtes suivantes: </a:t>
             </a:r>
-            <a:endParaRPr lang="fr-FR" sz="1600" dirty="0" smtClean="0">
-              <a:solidFill>
-                <a:schemeClr val="tx1"/>
-              </a:solidFill>
-            </a:endParaRPr>
           </a:p>
           <a:p>
             <a:r>
@@ -13967,11 +14017,6 @@
               </a:rPr>
               <a:t>Essayez la requête ci-dessus ainsi que les requêtes suivantes:</a:t>
             </a:r>
-            <a:endParaRPr lang="fr-FR" sz="1600" dirty="0" smtClean="0">
-              <a:solidFill>
-                <a:schemeClr val="tx1"/>
-              </a:solidFill>
-            </a:endParaRPr>
           </a:p>
           <a:p>
             <a:r>
@@ -19474,7 +19519,7 @@
   <a:extraClrSchemeLst/>
   <a:extLst>
     <a:ext uri="{05A4C25C-085E-4340-85A3-A5531E510DB2}">
-      <thm15:themeFamily xmlns="" xmlns:thm15="http://schemas.microsoft.com/office/thememl/2012/main" name="OFR_OBS-template_external.potx" id="{8E63A4C0-0D5B-4AB0-9B17-28650E3A1109}" vid="{213D95EF-7056-43E0-9767-0E799F788926}"/>
+      <thm15:themeFamily xmlns:thm15="http://schemas.microsoft.com/office/thememl/2012/main" xmlns="" name="OFR_OBS-template_external.potx" id="{8E63A4C0-0D5B-4AB0-9B17-28650E3A1109}" vid="{213D95EF-7056-43E0-9767-0E799F788926}"/>
     </a:ext>
   </a:extLst>
 </a:theme>
